--- a/diagrams/exercise_tools.pptx
+++ b/diagrams/exercise_tools.pptx
@@ -104,6 +104,11 @@
       </a:defRPr>
     </a:lvl9pPr>
   </p:defaultTextStyle>
+  <p:extLst>
+    <p:ext uri="{EFAFB233-063F-42B5-8137-9DF3F51BA10A}">
+      <p15:sldGuideLst xmlns:p15="http://schemas.microsoft.com/office/powerpoint/2012/main"/>
+    </p:ext>
+  </p:extLst>
 </p:presentation>
 </file>
 
@@ -3321,245 +3326,225 @@
           <a:chExt cx="0" cy="0"/>
         </a:xfrm>
       </p:grpSpPr>
-      <p:pic>
-        <p:nvPicPr>
-          <p:cNvPr id="24" name="Picture 23" descr="A screenshot of a cell phone&#10;&#10;Description automatically generated">
-            <a:extLst>
-              <a:ext uri="{FF2B5EF4-FFF2-40B4-BE49-F238E27FC236}">
-                <a16:creationId xmlns:a16="http://schemas.microsoft.com/office/drawing/2014/main" id="{A9E4D819-07B1-40C1-AEA0-1A46F308304E}"/>
-              </a:ext>
-            </a:extLst>
-          </p:cNvPr>
-          <p:cNvPicPr>
-            <a:picLocks noChangeAspect="1"/>
-          </p:cNvPicPr>
+      <p:grpSp>
+        <p:nvGrpSpPr>
+          <p:cNvPr id="2" name="Group 1">
+            <a:extLst>
+              <a:ext uri="{FF2B5EF4-FFF2-40B4-BE49-F238E27FC236}">
+                <a16:creationId xmlns:a16="http://schemas.microsoft.com/office/drawing/2014/main" id="{C011B8E7-4D3E-4145-B6ED-522E8F71B145}"/>
+              </a:ext>
+            </a:extLst>
+          </p:cNvPr>
+          <p:cNvGrpSpPr/>
           <p:nvPr/>
-        </p:nvPicPr>
-        <p:blipFill>
-          <a:blip r:embed="rId2">
-            <a:extLst>
-              <a:ext uri="{28A0092B-C50C-407E-A947-70E740481C1C}">
-                <a14:useLocalDpi xmlns:a14="http://schemas.microsoft.com/office/drawing/2010/main" val="0"/>
-              </a:ext>
-            </a:extLst>
-          </a:blip>
-          <a:stretch>
-            <a:fillRect/>
-          </a:stretch>
-        </p:blipFill>
-        <p:spPr>
+        </p:nvGrpSpPr>
+        <p:grpSpPr>
           <a:xfrm>
             <a:off x="4655645" y="1349829"/>
-            <a:ext cx="2880710" cy="5145314"/>
+            <a:ext cx="6317155" cy="5145314"/>
+            <a:chOff x="4655645" y="1349829"/>
+            <a:chExt cx="6317155" cy="5145314"/>
           </a:xfrm>
-          <a:prstGeom prst="rect">
-            <a:avLst/>
-          </a:prstGeom>
-        </p:spPr>
-      </p:pic>
-      <p:sp>
-        <p:nvSpPr>
-          <p:cNvPr id="25" name="TextBox 24">
-            <a:extLst>
-              <a:ext uri="{FF2B5EF4-FFF2-40B4-BE49-F238E27FC236}">
-                <a16:creationId xmlns:a16="http://schemas.microsoft.com/office/drawing/2014/main" id="{0C135538-51A4-4DD7-9B1C-46CAD16E5B41}"/>
-              </a:ext>
-            </a:extLst>
-          </p:cNvPr>
-          <p:cNvSpPr txBox="1"/>
-          <p:nvPr/>
-        </p:nvSpPr>
-        <p:spPr>
-          <a:xfrm>
-            <a:off x="3236686" y="188686"/>
-            <a:ext cx="6008914" cy="369332"/>
-          </a:xfrm>
-          <a:prstGeom prst="rect">
-            <a:avLst/>
-          </a:prstGeom>
-          <a:noFill/>
-        </p:spPr>
-        <p:txBody>
-          <a:bodyPr wrap="square" rtlCol="0">
-            <a:spAutoFit/>
-          </a:bodyPr>
-          <a:lstStyle/>
-          <a:p>
-            <a:pPr algn="ctr"/>
-            <a:r>
-              <a:rPr lang="en-US" dirty="0"/>
-              <a:t>Diagram </a:t>
-            </a:r>
-            <a:r>
-              <a:rPr lang="en-US" dirty="0" err="1"/>
-              <a:t>exercise_tools</a:t>
-            </a:r>
-            <a:endParaRPr lang="en-US" dirty="0"/>
-          </a:p>
-        </p:txBody>
-      </p:sp>
-      <p:sp>
-        <p:nvSpPr>
-          <p:cNvPr id="26" name="TextBox 25">
-            <a:extLst>
-              <a:ext uri="{FF2B5EF4-FFF2-40B4-BE49-F238E27FC236}">
-                <a16:creationId xmlns:a16="http://schemas.microsoft.com/office/drawing/2014/main" id="{3C172F1A-7D93-4EFE-8436-F23903E0BF1B}"/>
-              </a:ext>
-            </a:extLst>
-          </p:cNvPr>
-          <p:cNvSpPr txBox="1"/>
-          <p:nvPr/>
-        </p:nvSpPr>
-        <p:spPr>
-          <a:xfrm>
-            <a:off x="7765143" y="3553154"/>
-            <a:ext cx="3207657" cy="369332"/>
-          </a:xfrm>
-          <a:prstGeom prst="rect">
-            <a:avLst/>
-          </a:prstGeom>
-          <a:noFill/>
-        </p:spPr>
-        <p:txBody>
-          <a:bodyPr wrap="square" rtlCol="0">
-            <a:spAutoFit/>
-          </a:bodyPr>
-          <a:lstStyle/>
-          <a:p>
-            <a:r>
-              <a:rPr lang="en-US" dirty="0"/>
-              <a:t>Launch Cognizant Tutor Button</a:t>
-            </a:r>
-          </a:p>
-        </p:txBody>
-      </p:sp>
-      <p:sp>
-        <p:nvSpPr>
-          <p:cNvPr id="27" name="TextBox 26">
-            <a:extLst>
-              <a:ext uri="{FF2B5EF4-FFF2-40B4-BE49-F238E27FC236}">
-                <a16:creationId xmlns:a16="http://schemas.microsoft.com/office/drawing/2014/main" id="{D30E771F-6B98-4EA9-B7F0-01AF5C91D0F2}"/>
-              </a:ext>
-            </a:extLst>
-          </p:cNvPr>
-          <p:cNvSpPr txBox="1"/>
-          <p:nvPr/>
-        </p:nvSpPr>
-        <p:spPr>
-          <a:xfrm>
-            <a:off x="7765143" y="4329668"/>
-            <a:ext cx="3207657" cy="646331"/>
-          </a:xfrm>
-          <a:prstGeom prst="rect">
-            <a:avLst/>
-          </a:prstGeom>
-          <a:noFill/>
-        </p:spPr>
-        <p:txBody>
-          <a:bodyPr wrap="square" rtlCol="0">
-            <a:spAutoFit/>
-          </a:bodyPr>
-          <a:lstStyle/>
-          <a:p>
-            <a:r>
-              <a:rPr lang="en-US" dirty="0"/>
-              <a:t>Flag as problematic exercise Button</a:t>
-            </a:r>
-          </a:p>
-        </p:txBody>
-      </p:sp>
-      <p:cxnSp>
-        <p:nvCxnSpPr>
-          <p:cNvPr id="29" name="Straight Arrow Connector 28">
-            <a:extLst>
-              <a:ext uri="{FF2B5EF4-FFF2-40B4-BE49-F238E27FC236}">
-                <a16:creationId xmlns:a16="http://schemas.microsoft.com/office/drawing/2014/main" id="{9AB2C327-CAE6-402D-8A1D-C0935E297B69}"/>
-              </a:ext>
-            </a:extLst>
-          </p:cNvPr>
-          <p:cNvCxnSpPr>
-            <a:stCxn id="26" idx="1"/>
-          </p:cNvCxnSpPr>
-          <p:nvPr/>
-        </p:nvCxnSpPr>
-        <p:spPr>
-          <a:xfrm flipH="1">
-            <a:off x="6705600" y="3737820"/>
-            <a:ext cx="1059543" cy="1022866"/>
-          </a:xfrm>
-          <a:prstGeom prst="straightConnector1">
-            <a:avLst/>
-          </a:prstGeom>
-          <a:ln w="38100">
-            <a:solidFill>
-              <a:schemeClr val="bg1">
-                <a:lumMod val="50000"/>
-              </a:schemeClr>
-            </a:solidFill>
-            <a:tailEnd type="triangle"/>
-          </a:ln>
-        </p:spPr>
-        <p:style>
-          <a:lnRef idx="1">
-            <a:schemeClr val="accent1"/>
-          </a:lnRef>
-          <a:fillRef idx="0">
-            <a:schemeClr val="accent1"/>
-          </a:fillRef>
-          <a:effectRef idx="0">
-            <a:schemeClr val="accent1"/>
-          </a:effectRef>
-          <a:fontRef idx="minor">
-            <a:schemeClr val="tx1"/>
-          </a:fontRef>
-        </p:style>
-      </p:cxnSp>
-      <p:cxnSp>
-        <p:nvCxnSpPr>
-          <p:cNvPr id="30" name="Straight Arrow Connector 29">
-            <a:extLst>
-              <a:ext uri="{FF2B5EF4-FFF2-40B4-BE49-F238E27FC236}">
-                <a16:creationId xmlns:a16="http://schemas.microsoft.com/office/drawing/2014/main" id="{1843BED0-7F1E-4F16-9D70-9D12FF78D71E}"/>
-              </a:ext>
-            </a:extLst>
-          </p:cNvPr>
-          <p:cNvCxnSpPr>
-            <a:cxnSpLocks/>
-          </p:cNvCxnSpPr>
-          <p:nvPr/>
-        </p:nvCxnSpPr>
-        <p:spPr>
-          <a:xfrm flipH="1">
-            <a:off x="7048500" y="4464566"/>
-            <a:ext cx="745675" cy="367784"/>
-          </a:xfrm>
-          <a:prstGeom prst="straightConnector1">
-            <a:avLst/>
-          </a:prstGeom>
-          <a:ln w="38100">
-            <a:solidFill>
-              <a:schemeClr val="bg1">
-                <a:lumMod val="50000"/>
-              </a:schemeClr>
-            </a:solidFill>
-            <a:tailEnd type="triangle"/>
-          </a:ln>
-        </p:spPr>
-        <p:style>
-          <a:lnRef idx="1">
-            <a:schemeClr val="accent1"/>
-          </a:lnRef>
-          <a:fillRef idx="0">
-            <a:schemeClr val="accent1"/>
-          </a:fillRef>
-          <a:effectRef idx="0">
-            <a:schemeClr val="accent1"/>
-          </a:effectRef>
-          <a:fontRef idx="minor">
-            <a:schemeClr val="tx1"/>
-          </a:fontRef>
-        </p:style>
-      </p:cxnSp>
+        </p:grpSpPr>
+        <p:pic>
+          <p:nvPicPr>
+            <p:cNvPr id="24" name="Picture 23" descr="A screenshot of a cell phone&#10;&#10;Description automatically generated">
+              <a:extLst>
+                <a:ext uri="{FF2B5EF4-FFF2-40B4-BE49-F238E27FC236}">
+                  <a16:creationId xmlns:a16="http://schemas.microsoft.com/office/drawing/2014/main" id="{A9E4D819-07B1-40C1-AEA0-1A46F308304E}"/>
+                </a:ext>
+              </a:extLst>
+            </p:cNvPr>
+            <p:cNvPicPr>
+              <a:picLocks noChangeAspect="1"/>
+            </p:cNvPicPr>
+            <p:nvPr/>
+          </p:nvPicPr>
+          <p:blipFill>
+            <a:blip r:embed="rId2">
+              <a:extLst>
+                <a:ext uri="{28A0092B-C50C-407E-A947-70E740481C1C}">
+                  <a14:useLocalDpi xmlns:a14="http://schemas.microsoft.com/office/drawing/2010/main" val="0"/>
+                </a:ext>
+              </a:extLst>
+            </a:blip>
+            <a:stretch>
+              <a:fillRect/>
+            </a:stretch>
+          </p:blipFill>
+          <p:spPr>
+            <a:xfrm>
+              <a:off x="4655645" y="1349829"/>
+              <a:ext cx="2880710" cy="5145314"/>
+            </a:xfrm>
+            <a:prstGeom prst="rect">
+              <a:avLst/>
+            </a:prstGeom>
+          </p:spPr>
+        </p:pic>
+        <p:sp>
+          <p:nvSpPr>
+            <p:cNvPr id="26" name="TextBox 25">
+              <a:extLst>
+                <a:ext uri="{FF2B5EF4-FFF2-40B4-BE49-F238E27FC236}">
+                  <a16:creationId xmlns:a16="http://schemas.microsoft.com/office/drawing/2014/main" id="{3C172F1A-7D93-4EFE-8436-F23903E0BF1B}"/>
+                </a:ext>
+              </a:extLst>
+            </p:cNvPr>
+            <p:cNvSpPr txBox="1"/>
+            <p:nvPr/>
+          </p:nvSpPr>
+          <p:spPr>
+            <a:xfrm>
+              <a:off x="7765143" y="3553154"/>
+              <a:ext cx="3207657" cy="369332"/>
+            </a:xfrm>
+            <a:prstGeom prst="rect">
+              <a:avLst/>
+            </a:prstGeom>
+            <a:noFill/>
+          </p:spPr>
+          <p:txBody>
+            <a:bodyPr wrap="square" rtlCol="0">
+              <a:spAutoFit/>
+            </a:bodyPr>
+            <a:lstStyle/>
+            <a:p>
+              <a:r>
+                <a:rPr lang="en-US" dirty="0"/>
+                <a:t>Launch Cognizant Tutor Button</a:t>
+              </a:r>
+            </a:p>
+          </p:txBody>
+        </p:sp>
+        <p:sp>
+          <p:nvSpPr>
+            <p:cNvPr id="27" name="TextBox 26">
+              <a:extLst>
+                <a:ext uri="{FF2B5EF4-FFF2-40B4-BE49-F238E27FC236}">
+                  <a16:creationId xmlns:a16="http://schemas.microsoft.com/office/drawing/2014/main" id="{D30E771F-6B98-4EA9-B7F0-01AF5C91D0F2}"/>
+                </a:ext>
+              </a:extLst>
+            </p:cNvPr>
+            <p:cNvSpPr txBox="1"/>
+            <p:nvPr/>
+          </p:nvSpPr>
+          <p:spPr>
+            <a:xfrm>
+              <a:off x="7765143" y="4329668"/>
+              <a:ext cx="3207657" cy="646331"/>
+            </a:xfrm>
+            <a:prstGeom prst="rect">
+              <a:avLst/>
+            </a:prstGeom>
+            <a:noFill/>
+          </p:spPr>
+          <p:txBody>
+            <a:bodyPr wrap="square" rtlCol="0">
+              <a:spAutoFit/>
+            </a:bodyPr>
+            <a:lstStyle/>
+            <a:p>
+              <a:r>
+                <a:rPr lang="en-US" dirty="0"/>
+                <a:t>Flag as problematic exercise Button</a:t>
+              </a:r>
+            </a:p>
+          </p:txBody>
+        </p:sp>
+        <p:cxnSp>
+          <p:nvCxnSpPr>
+            <p:cNvPr id="29" name="Straight Arrow Connector 28">
+              <a:extLst>
+                <a:ext uri="{FF2B5EF4-FFF2-40B4-BE49-F238E27FC236}">
+                  <a16:creationId xmlns:a16="http://schemas.microsoft.com/office/drawing/2014/main" id="{9AB2C327-CAE6-402D-8A1D-C0935E297B69}"/>
+                </a:ext>
+              </a:extLst>
+            </p:cNvPr>
+            <p:cNvCxnSpPr>
+              <a:stCxn id="26" idx="1"/>
+            </p:cNvCxnSpPr>
+            <p:nvPr/>
+          </p:nvCxnSpPr>
+          <p:spPr>
+            <a:xfrm flipH="1">
+              <a:off x="6705600" y="3737820"/>
+              <a:ext cx="1059543" cy="1022866"/>
+            </a:xfrm>
+            <a:prstGeom prst="straightConnector1">
+              <a:avLst/>
+            </a:prstGeom>
+            <a:ln w="38100">
+              <a:solidFill>
+                <a:schemeClr val="bg1">
+                  <a:lumMod val="50000"/>
+                </a:schemeClr>
+              </a:solidFill>
+              <a:tailEnd type="triangle"/>
+            </a:ln>
+          </p:spPr>
+          <p:style>
+            <a:lnRef idx="1">
+              <a:schemeClr val="accent1"/>
+            </a:lnRef>
+            <a:fillRef idx="0">
+              <a:schemeClr val="accent1"/>
+            </a:fillRef>
+            <a:effectRef idx="0">
+              <a:schemeClr val="accent1"/>
+            </a:effectRef>
+            <a:fontRef idx="minor">
+              <a:schemeClr val="tx1"/>
+            </a:fontRef>
+          </p:style>
+        </p:cxnSp>
+        <p:cxnSp>
+          <p:nvCxnSpPr>
+            <p:cNvPr id="30" name="Straight Arrow Connector 29">
+              <a:extLst>
+                <a:ext uri="{FF2B5EF4-FFF2-40B4-BE49-F238E27FC236}">
+                  <a16:creationId xmlns:a16="http://schemas.microsoft.com/office/drawing/2014/main" id="{1843BED0-7F1E-4F16-9D70-9D12FF78D71E}"/>
+                </a:ext>
+              </a:extLst>
+            </p:cNvPr>
+            <p:cNvCxnSpPr>
+              <a:cxnSpLocks/>
+            </p:cNvCxnSpPr>
+            <p:nvPr/>
+          </p:nvCxnSpPr>
+          <p:spPr>
+            <a:xfrm flipH="1">
+              <a:off x="7048500" y="4464566"/>
+              <a:ext cx="745675" cy="367784"/>
+            </a:xfrm>
+            <a:prstGeom prst="straightConnector1">
+              <a:avLst/>
+            </a:prstGeom>
+            <a:ln w="38100">
+              <a:solidFill>
+                <a:schemeClr val="bg1">
+                  <a:lumMod val="50000"/>
+                </a:schemeClr>
+              </a:solidFill>
+              <a:tailEnd type="triangle"/>
+            </a:ln>
+          </p:spPr>
+          <p:style>
+            <a:lnRef idx="1">
+              <a:schemeClr val="accent1"/>
+            </a:lnRef>
+            <a:fillRef idx="0">
+              <a:schemeClr val="accent1"/>
+            </a:fillRef>
+            <a:effectRef idx="0">
+              <a:schemeClr val="accent1"/>
+            </a:effectRef>
+            <a:fontRef idx="minor">
+              <a:schemeClr val="tx1"/>
+            </a:fontRef>
+          </p:style>
+        </p:cxnSp>
+      </p:grpSp>
     </p:spTree>
     <p:extLst>
       <p:ext uri="{BB962C8B-B14F-4D97-AF65-F5344CB8AC3E}">
